--- a/lectures/Lecture_22_COMP.pptx
+++ b/lectures/Lecture_22_COMP.pptx
@@ -8314,7 +8314,7 @@
         <p:spPr/>
         <p:txBody>
           <a:bodyPr>
-            <a:normAutofit/>
+            <a:normAutofit lnSpcReduction="10000"/>
           </a:bodyPr>
           <a:lstStyle/>
           <a:p>
@@ -8372,6 +8372,37 @@
                 <a:latin typeface="+mj-lt"/>
               </a:rPr>
               <a:t>If you still want to meet email me.</a:t>
+            </a:r>
+          </a:p>
+          <a:p>
+            <a:pPr marL="0" indent="0">
+              <a:buNone/>
+            </a:pPr>
+            <a:endParaRPr lang="en-US" dirty="0">
+              <a:latin typeface="+mj-lt"/>
+            </a:endParaRPr>
+          </a:p>
+          <a:p>
+            <a:pPr marL="0" indent="0">
+              <a:buNone/>
+            </a:pPr>
+            <a:r>
+              <a:rPr lang="en-US" dirty="0">
+                <a:latin typeface="+mj-lt"/>
+              </a:rPr>
+              <a:t>Interesting read: https://</a:t>
+            </a:r>
+            <a:r>
+              <a:rPr lang="en-US" dirty="0" err="1">
+                <a:latin typeface="+mj-lt"/>
+              </a:rPr>
+              <a:t>lemire.me</a:t>
+            </a:r>
+            <a:r>
+              <a:rPr lang="en-US" dirty="0">
+                <a:latin typeface="+mj-lt"/>
+              </a:rPr>
+              <a:t>/blog/2018/04/17/iterating-in-batches-over-data-structures-can-be-much-faster/</a:t>
             </a:r>
             <a:endParaRPr lang="en-US" dirty="0" smtClean="0">
               <a:latin typeface="+mj-lt"/>
